--- a/2022茨城大ゲーミング/全資料/E1_出品者用シート.pptx
+++ b/2022茨城大ゲーミング/全資料/E1_出品者用シート.pptx
@@ -206,7 +206,7 @@
           <a:p>
             <a:fld id="{849CBBF3-F71E-48C4-94F7-C0FC5390F76D}" type="datetimeFigureOut">
               <a:rPr kumimoji="1" lang="ja-JP" altLang="en-US" smtClean="0"/>
-              <a:t>2022/1/5</a:t>
+              <a:t>2022/1/14</a:t>
             </a:fld>
             <a:endParaRPr kumimoji="1" lang="ja-JP" altLang="en-US"/>
           </a:p>
@@ -652,7 +652,7 @@
           <a:p>
             <a:fld id="{FC44BBF2-01E8-40CA-A36D-EEF441918621}" type="datetime1">
               <a:rPr kumimoji="1" lang="ja-JP" altLang="en-US" smtClean="0"/>
-              <a:t>2022/1/5</a:t>
+              <a:t>2022/1/14</a:t>
             </a:fld>
             <a:endParaRPr kumimoji="1" lang="ja-JP" altLang="en-US"/>
           </a:p>
@@ -882,7 +882,7 @@
           <a:p>
             <a:fld id="{C278C6CC-49C6-47D1-B1D3-9BF503878B51}" type="datetime1">
               <a:rPr kumimoji="1" lang="ja-JP" altLang="en-US" smtClean="0"/>
-              <a:t>2022/1/5</a:t>
+              <a:t>2022/1/14</a:t>
             </a:fld>
             <a:endParaRPr kumimoji="1" lang="ja-JP" altLang="en-US"/>
           </a:p>
@@ -1122,7 +1122,7 @@
           <a:p>
             <a:fld id="{73FFFC17-ACE6-42A9-9C3D-980BA357B55C}" type="datetime1">
               <a:rPr kumimoji="1" lang="ja-JP" altLang="en-US" smtClean="0"/>
-              <a:t>2022/1/5</a:t>
+              <a:t>2022/1/14</a:t>
             </a:fld>
             <a:endParaRPr kumimoji="1" lang="ja-JP" altLang="en-US"/>
           </a:p>
@@ -1352,7 +1352,7 @@
           <a:p>
             <a:fld id="{B2DBC3FA-FE31-46F9-9B13-161B98906F70}" type="datetime1">
               <a:rPr kumimoji="1" lang="ja-JP" altLang="en-US" smtClean="0"/>
-              <a:t>2022/1/5</a:t>
+              <a:t>2022/1/14</a:t>
             </a:fld>
             <a:endParaRPr kumimoji="1" lang="ja-JP" altLang="en-US"/>
           </a:p>
@@ -1627,7 +1627,7 @@
           <a:p>
             <a:fld id="{7906580F-F4CA-45C4-82AA-3B1AEDE2D9CB}" type="datetime1">
               <a:rPr kumimoji="1" lang="ja-JP" altLang="en-US" smtClean="0"/>
-              <a:t>2022/1/5</a:t>
+              <a:t>2022/1/14</a:t>
             </a:fld>
             <a:endParaRPr kumimoji="1" lang="ja-JP" altLang="en-US"/>
           </a:p>
@@ -1956,7 +1956,7 @@
           <a:p>
             <a:fld id="{0EA80C7A-6BCA-499C-8C91-0167866E57B4}" type="datetime1">
               <a:rPr kumimoji="1" lang="ja-JP" altLang="en-US" smtClean="0"/>
-              <a:t>2022/1/5</a:t>
+              <a:t>2022/1/14</a:t>
             </a:fld>
             <a:endParaRPr kumimoji="1" lang="ja-JP" altLang="en-US"/>
           </a:p>
@@ -2432,7 +2432,7 @@
           <a:p>
             <a:fld id="{3B91851F-64A7-42BA-B52B-C5487933A59D}" type="datetime1">
               <a:rPr kumimoji="1" lang="ja-JP" altLang="en-US" smtClean="0"/>
-              <a:t>2022/1/5</a:t>
+              <a:t>2022/1/14</a:t>
             </a:fld>
             <a:endParaRPr kumimoji="1" lang="ja-JP" altLang="en-US"/>
           </a:p>
@@ -2573,7 +2573,7 @@
           <a:p>
             <a:fld id="{367BCF53-9BD9-4A5D-8F81-CB888E26DFD6}" type="datetime1">
               <a:rPr kumimoji="1" lang="ja-JP" altLang="en-US" smtClean="0"/>
-              <a:t>2022/1/5</a:t>
+              <a:t>2022/1/14</a:t>
             </a:fld>
             <a:endParaRPr kumimoji="1" lang="ja-JP" altLang="en-US"/>
           </a:p>
@@ -2686,7 +2686,7 @@
           <a:p>
             <a:fld id="{1D8830A4-6A44-45F2-AA88-540F3202003D}" type="datetime1">
               <a:rPr kumimoji="1" lang="ja-JP" altLang="en-US" smtClean="0"/>
-              <a:t>2022/1/5</a:t>
+              <a:t>2022/1/14</a:t>
             </a:fld>
             <a:endParaRPr kumimoji="1" lang="ja-JP" altLang="en-US"/>
           </a:p>
@@ -3029,7 +3029,7 @@
           <a:p>
             <a:fld id="{E340E606-9007-4BAC-AC2B-8BA18644D06F}" type="datetime1">
               <a:rPr kumimoji="1" lang="ja-JP" altLang="en-US" smtClean="0"/>
-              <a:t>2022/1/5</a:t>
+              <a:t>2022/1/14</a:t>
             </a:fld>
             <a:endParaRPr kumimoji="1" lang="ja-JP" altLang="en-US"/>
           </a:p>
@@ -3317,7 +3317,7 @@
           <a:p>
             <a:fld id="{5DAF53BC-A20F-43D8-A6EF-86E98CCF7130}" type="datetime1">
               <a:rPr kumimoji="1" lang="ja-JP" altLang="en-US" smtClean="0"/>
-              <a:t>2022/1/5</a:t>
+              <a:t>2022/1/14</a:t>
             </a:fld>
             <a:endParaRPr kumimoji="1" lang="ja-JP" altLang="en-US"/>
           </a:p>
@@ -3590,7 +3590,7 @@
           <a:p>
             <a:fld id="{CA61DFFF-76AF-4950-A089-4AD0ADED04B6}" type="datetime1">
               <a:rPr kumimoji="1" lang="ja-JP" altLang="en-US" smtClean="0"/>
-              <a:t>2022/1/5</a:t>
+              <a:t>2022/1/14</a:t>
             </a:fld>
             <a:endParaRPr kumimoji="1" lang="ja-JP" altLang="en-US"/>
           </a:p>
@@ -4319,15 +4319,27 @@
           <a:lstStyle/>
           <a:p>
             <a:r>
-              <a:rPr lang="ja-JP" altLang="en-US" dirty="0"/>
+              <a:rPr lang="ja-JP" altLang="en-US" dirty="0">
+                <a:solidFill>
+                  <a:srgbClr val="FF0000"/>
+                </a:solidFill>
+              </a:rPr>
               <a:t>次のスライド（</a:t>
             </a:r>
             <a:r>
-              <a:rPr lang="en-US" altLang="ja-JP" dirty="0"/>
+              <a:rPr lang="en-US" altLang="ja-JP" dirty="0">
+                <a:solidFill>
+                  <a:srgbClr val="FF0000"/>
+                </a:solidFill>
+              </a:rPr>
               <a:t>1</a:t>
             </a:r>
             <a:r>
-              <a:rPr lang="ja-JP" altLang="en-US" dirty="0"/>
+              <a:rPr lang="ja-JP" altLang="en-US" dirty="0">
+                <a:solidFill>
+                  <a:srgbClr val="FF0000"/>
+                </a:solidFill>
+              </a:rPr>
               <a:t>枚）に必要な情報を書き込んでください</a:t>
             </a:r>
           </a:p>
